--- a/Sakshi_Bhansali_Netflix Data Analysis Project PPT 3.pptx
+++ b/Sakshi_Bhansali_Netflix Data Analysis Project PPT 3.pptx
@@ -343,7 +343,7 @@
           <a:p>
             <a:fld id="{EF1077DB-935E-4A0A-947A-D283B9F9F452}" type="datetimeFigureOut">
               <a:rPr lang="en-US" smtClean="0"/>
-              <a:t>10/15/2025</a:t>
+              <a:t>10/17/2025</a:t>
             </a:fld>
             <a:endParaRPr lang="en-US" dirty="0"/>
           </a:p>
@@ -520,7 +520,7 @@
           <a:p>
             <a:fld id="{2D9EC30E-1A71-4188-9BE7-E2A64929A436}" type="datetimeFigureOut">
               <a:rPr lang="en-US" noProof="0" smtClean="0"/>
-              <a:t>10/15/2025</a:t>
+              <a:t>10/17/2025</a:t>
             </a:fld>
             <a:endParaRPr lang="en-US" noProof="0" dirty="0"/>
           </a:p>
@@ -1617,7 +1617,7 @@
             <a:fld id="{B61BEF0D-F0BB-DE4B-95CE-6DB70DBA9567}" type="datetimeFigureOut">
               <a:rPr lang="en-US" smtClean="0"/>
               <a:pPr/>
-              <a:t>10/15/2025</a:t>
+              <a:t>10/17/2025</a:t>
             </a:fld>
             <a:endParaRPr lang="en-US" dirty="0"/>
           </a:p>
@@ -1871,7 +1871,7 @@
             <a:fld id="{B61BEF0D-F0BB-DE4B-95CE-6DB70DBA9567}" type="datetimeFigureOut">
               <a:rPr lang="en-US" smtClean="0"/>
               <a:pPr/>
-              <a:t>10/15/2025</a:t>
+              <a:t>10/17/2025</a:t>
             </a:fld>
             <a:endParaRPr lang="en-US" dirty="0"/>
           </a:p>
@@ -2188,7 +2188,7 @@
             <a:fld id="{B61BEF0D-F0BB-DE4B-95CE-6DB70DBA9567}" type="datetimeFigureOut">
               <a:rPr lang="en-US" smtClean="0"/>
               <a:pPr/>
-              <a:t>10/15/2025</a:t>
+              <a:t>10/17/2025</a:t>
             </a:fld>
             <a:endParaRPr lang="en-US" dirty="0"/>
           </a:p>
@@ -2524,7 +2524,7 @@
             <a:fld id="{B61BEF0D-F0BB-DE4B-95CE-6DB70DBA9567}" type="datetimeFigureOut">
               <a:rPr lang="en-US" smtClean="0"/>
               <a:pPr/>
-              <a:t>10/15/2025</a:t>
+              <a:t>10/17/2025</a:t>
             </a:fld>
             <a:endParaRPr lang="en-US" dirty="0"/>
           </a:p>
@@ -2841,7 +2841,7 @@
             <a:fld id="{B61BEF0D-F0BB-DE4B-95CE-6DB70DBA9567}" type="datetimeFigureOut">
               <a:rPr lang="en-US" smtClean="0"/>
               <a:pPr/>
-              <a:t>10/15/2025</a:t>
+              <a:t>10/17/2025</a:t>
             </a:fld>
             <a:endParaRPr lang="en-US" dirty="0"/>
           </a:p>
@@ -3237,7 +3237,7 @@
             <a:fld id="{B61BEF0D-F0BB-DE4B-95CE-6DB70DBA9567}" type="datetimeFigureOut">
               <a:rPr lang="en-US" smtClean="0"/>
               <a:pPr/>
-              <a:t>10/15/2025</a:t>
+              <a:t>10/17/2025</a:t>
             </a:fld>
             <a:endParaRPr lang="en-US" dirty="0"/>
           </a:p>
@@ -3409,7 +3409,7 @@
           <a:p>
             <a:fld id="{55C6B4A9-1611-4792-9094-5F34BCA07E0B}" type="datetimeFigureOut">
               <a:rPr lang="en-US" smtClean="0"/>
-              <a:t>10/15/2025</a:t>
+              <a:t>10/17/2025</a:t>
             </a:fld>
             <a:endParaRPr lang="en-US" dirty="0"/>
           </a:p>
@@ -3591,7 +3591,7 @@
             <a:fld id="{B61BEF0D-F0BB-DE4B-95CE-6DB70DBA9567}" type="datetimeFigureOut">
               <a:rPr lang="en-US" smtClean="0"/>
               <a:pPr/>
-              <a:t>10/15/2025</a:t>
+              <a:t>10/17/2025</a:t>
             </a:fld>
             <a:endParaRPr lang="en-US" dirty="0"/>
           </a:p>
@@ -5320,7 +5320,7 @@
             <a:fld id="{B61BEF0D-F0BB-DE4B-95CE-6DB70DBA9567}" type="datetimeFigureOut">
               <a:rPr lang="en-US" smtClean="0"/>
               <a:pPr/>
-              <a:t>10/15/2025</a:t>
+              <a:t>10/17/2025</a:t>
             </a:fld>
             <a:endParaRPr lang="en-US" dirty="0"/>
           </a:p>
@@ -7055,7 +7055,7 @@
             <a:fld id="{B61BEF0D-F0BB-DE4B-95CE-6DB70DBA9567}" type="datetimeFigureOut">
               <a:rPr lang="en-US" smtClean="0"/>
               <a:pPr/>
-              <a:t>10/15/2025</a:t>
+              <a:t>10/17/2025</a:t>
             </a:fld>
             <a:endParaRPr lang="en-US" dirty="0"/>
           </a:p>
@@ -7289,7 +7289,7 @@
           <a:p>
             <a:fld id="{EB712588-04B1-427B-82EE-E8DB90309F08}" type="datetimeFigureOut">
               <a:rPr lang="en-US" smtClean="0"/>
-              <a:t>10/15/2025</a:t>
+              <a:t>10/17/2025</a:t>
             </a:fld>
             <a:endParaRPr lang="en-US" dirty="0"/>
           </a:p>
@@ -7665,7 +7665,7 @@
             <a:fld id="{B61BEF0D-F0BB-DE4B-95CE-6DB70DBA9567}" type="datetimeFigureOut">
               <a:rPr lang="en-US" smtClean="0"/>
               <a:pPr/>
-              <a:t>10/15/2025</a:t>
+              <a:t>10/17/2025</a:t>
             </a:fld>
             <a:endParaRPr lang="en-US" dirty="0"/>
           </a:p>
@@ -7791,7 +7791,7 @@
             <a:fld id="{B61BEF0D-F0BB-DE4B-95CE-6DB70DBA9567}" type="datetimeFigureOut">
               <a:rPr lang="en-US" smtClean="0"/>
               <a:pPr/>
-              <a:t>10/15/2025</a:t>
+              <a:t>10/17/2025</a:t>
             </a:fld>
             <a:endParaRPr lang="en-US" dirty="0"/>
           </a:p>
@@ -7889,7 +7889,7 @@
             <a:fld id="{B61BEF0D-F0BB-DE4B-95CE-6DB70DBA9567}" type="datetimeFigureOut">
               <a:rPr lang="en-US" smtClean="0"/>
               <a:pPr/>
-              <a:t>10/15/2025</a:t>
+              <a:t>10/17/2025</a:t>
             </a:fld>
             <a:endParaRPr lang="en-US" dirty="0"/>
           </a:p>
@@ -8146,7 +8146,7 @@
           <a:p>
             <a:fld id="{42A54C80-263E-416B-A8E0-580EDEADCBDC}" type="datetimeFigureOut">
               <a:rPr lang="en-US" smtClean="0"/>
-              <a:t>10/15/2025</a:t>
+              <a:t>10/17/2025</a:t>
             </a:fld>
             <a:endParaRPr lang="en-US" dirty="0"/>
           </a:p>
@@ -8454,7 +8454,7 @@
             <a:fld id="{B61BEF0D-F0BB-DE4B-95CE-6DB70DBA9567}" type="datetimeFigureOut">
               <a:rPr lang="en-US" smtClean="0"/>
               <a:pPr/>
-              <a:t>10/15/2025</a:t>
+              <a:t>10/17/2025</a:t>
             </a:fld>
             <a:endParaRPr lang="en-US" dirty="0"/>
           </a:p>
@@ -9158,7 +9158,7 @@
             <a:fld id="{B61BEF0D-F0BB-DE4B-95CE-6DB70DBA9567}" type="datetimeFigureOut">
               <a:rPr lang="en-US" smtClean="0"/>
               <a:pPr/>
-              <a:t>10/15/2025</a:t>
+              <a:t>10/17/2025</a:t>
             </a:fld>
             <a:endParaRPr lang="en-US" dirty="0"/>
           </a:p>
@@ -9369,7 +9369,7 @@
                 </a:solidFill>
               </a:rPr>
               <a:pPr/>
-              <a:t>10/15/2025</a:t>
+              <a:t>10/17/2025</a:t>
             </a:fld>
             <a:endParaRPr lang="en-US" sz="1100" dirty="0">
               <a:solidFill>
@@ -10122,35 +10122,71 @@
         </p:nvSpPr>
         <p:spPr>
           <a:xfrm>
-            <a:off x="6312871" y="4141999"/>
-            <a:ext cx="3400089" cy="861497"/>
+            <a:off x="5074803" y="3350985"/>
+            <a:ext cx="6236788" cy="861497"/>
           </a:xfrm>
         </p:spPr>
         <p:txBody>
-          <a:bodyPr/>
+          <a:bodyPr>
+            <a:noAutofit/>
+          </a:bodyPr>
           <a:lstStyle/>
           <a:p>
-            <a:pPr algn="r"/>
             <a:r>
-              <a:rPr lang="en-US" b="0" dirty="0">
+              <a:rPr lang="en-US" dirty="0">
                 <a:solidFill>
                   <a:schemeClr val="tx1"/>
                 </a:solidFill>
               </a:rPr>
-              <a:t>[Student Name ]</a:t>
+              <a:t>Sakshi Bhansali</a:t>
             </a:r>
-          </a:p>
-          <a:p>
-            <a:pPr algn="r"/>
             <a:r>
-              <a:rPr lang="en-US" b="0" dirty="0">
+              <a:rPr lang="en-IN" dirty="0">
                 <a:solidFill>
                   <a:schemeClr val="tx1"/>
                 </a:solidFill>
               </a:rPr>
-              <a:t>[AICTE Internship ID]</a:t>
+              <a:t> </a:t>
             </a:r>
-            <a:endParaRPr lang="en-IN" b="0" dirty="0">
+          </a:p>
+          <a:p>
+            <a:r>
+              <a:rPr lang="en-IN" dirty="0">
+                <a:solidFill>
+                  <a:schemeClr val="tx1"/>
+                </a:solidFill>
+              </a:rPr>
+              <a:t>AICTE Internship ID: </a:t>
+            </a:r>
+            <a:r>
+              <a:rPr lang="en-IN" b="0" dirty="0">
+                <a:solidFill>
+                  <a:schemeClr val="tx1"/>
+                </a:solidFill>
+              </a:rPr>
+              <a:t>INTERNSHIP_17546440616895be537820f</a:t>
+            </a:r>
+          </a:p>
+          <a:p>
+            <a:r>
+              <a:rPr lang="en-IN" dirty="0">
+                <a:solidFill>
+                  <a:schemeClr val="tx1"/>
+                </a:solidFill>
+              </a:rPr>
+              <a:t>Student ID:</a:t>
+            </a:r>
+          </a:p>
+          <a:p>
+            <a:r>
+              <a:rPr lang="en-IN" b="0" dirty="0">
+                <a:solidFill>
+                  <a:schemeClr val="tx1"/>
+                </a:solidFill>
+              </a:rPr>
+              <a:t>APPLY_175652685468b2790669a37</a:t>
+            </a:r>
+            <a:endParaRPr lang="en-US" b="0" dirty="0">
               <a:solidFill>
                 <a:schemeClr val="tx1"/>
               </a:solidFill>
@@ -10187,8 +10223,8 @@
           <a:lstStyle/>
           <a:p>
             <a:r>
-              <a:rPr lang="en-GB" sz="3200" dirty="0"/>
-              <a:t>Project Title -</a:t>
+              <a:rPr lang="en-US" sz="3200" dirty="0"/>
+              <a:t>Netflix Data Analytics</a:t>
             </a:r>
             <a:endParaRPr lang="en-IN" sz="3200" dirty="0"/>
           </a:p>
@@ -11019,6 +11055,128 @@
                       </p:childTnLst>
                     </p:cTn>
                   </p:par>
+                  <p:par>
+                    <p:cTn id="38" fill="hold">
+                      <p:stCondLst>
+                        <p:cond delay="indefinite"/>
+                      </p:stCondLst>
+                      <p:childTnLst>
+                        <p:par>
+                          <p:cTn id="39" fill="hold">
+                            <p:stCondLst>
+                              <p:cond delay="0"/>
+                            </p:stCondLst>
+                            <p:childTnLst>
+                              <p:par>
+                                <p:cTn id="40" presetID="14" presetClass="entr" presetSubtype="10" fill="hold" grpId="0" nodeType="clickEffect">
+                                  <p:stCondLst>
+                                    <p:cond delay="0"/>
+                                  </p:stCondLst>
+                                  <p:childTnLst>
+                                    <p:set>
+                                      <p:cBhvr>
+                                        <p:cTn id="41" dur="1" fill="hold">
+                                          <p:stCondLst>
+                                            <p:cond delay="0"/>
+                                          </p:stCondLst>
+                                        </p:cTn>
+                                        <p:tgtEl>
+                                          <p:spTgt spid="2">
+                                            <p:txEl>
+                                              <p:pRg st="2" end="2"/>
+                                            </p:txEl>
+                                          </p:spTgt>
+                                        </p:tgtEl>
+                                        <p:attrNameLst>
+                                          <p:attrName>style.visibility</p:attrName>
+                                        </p:attrNameLst>
+                                      </p:cBhvr>
+                                      <p:to>
+                                        <p:strVal val="visible"/>
+                                      </p:to>
+                                    </p:set>
+                                    <p:animEffect transition="in" filter="randombar(horizontal)">
+                                      <p:cBhvr>
+                                        <p:cTn id="42" dur="500"/>
+                                        <p:tgtEl>
+                                          <p:spTgt spid="2">
+                                            <p:txEl>
+                                              <p:pRg st="2" end="2"/>
+                                            </p:txEl>
+                                          </p:spTgt>
+                                        </p:tgtEl>
+                                      </p:cBhvr>
+                                    </p:animEffect>
+                                  </p:childTnLst>
+                                </p:cTn>
+                              </p:par>
+                            </p:childTnLst>
+                          </p:cTn>
+                        </p:par>
+                      </p:childTnLst>
+                    </p:cTn>
+                  </p:par>
+                  <p:par>
+                    <p:cTn id="43" fill="hold">
+                      <p:stCondLst>
+                        <p:cond delay="indefinite"/>
+                      </p:stCondLst>
+                      <p:childTnLst>
+                        <p:par>
+                          <p:cTn id="44" fill="hold">
+                            <p:stCondLst>
+                              <p:cond delay="0"/>
+                            </p:stCondLst>
+                            <p:childTnLst>
+                              <p:par>
+                                <p:cTn id="45" presetID="14" presetClass="entr" presetSubtype="10" fill="hold" grpId="0" nodeType="clickEffect">
+                                  <p:stCondLst>
+                                    <p:cond delay="0"/>
+                                  </p:stCondLst>
+                                  <p:childTnLst>
+                                    <p:set>
+                                      <p:cBhvr>
+                                        <p:cTn id="46" dur="1" fill="hold">
+                                          <p:stCondLst>
+                                            <p:cond delay="0"/>
+                                          </p:stCondLst>
+                                        </p:cTn>
+                                        <p:tgtEl>
+                                          <p:spTgt spid="2">
+                                            <p:txEl>
+                                              <p:pRg st="3" end="3"/>
+                                            </p:txEl>
+                                          </p:spTgt>
+                                        </p:tgtEl>
+                                        <p:attrNameLst>
+                                          <p:attrName>style.visibility</p:attrName>
+                                        </p:attrNameLst>
+                                      </p:cBhvr>
+                                      <p:to>
+                                        <p:strVal val="visible"/>
+                                      </p:to>
+                                    </p:set>
+                                    <p:animEffect transition="in" filter="randombar(horizontal)">
+                                      <p:cBhvr>
+                                        <p:cTn id="47" dur="500"/>
+                                        <p:tgtEl>
+                                          <p:spTgt spid="2">
+                                            <p:txEl>
+                                              <p:pRg st="3" end="3"/>
+                                            </p:txEl>
+                                          </p:spTgt>
+                                        </p:tgtEl>
+                                      </p:cBhvr>
+                                    </p:animEffect>
+                                  </p:childTnLst>
+                                </p:cTn>
+                              </p:par>
+                            </p:childTnLst>
+                          </p:cTn>
+                        </p:par>
+                      </p:childTnLst>
+                    </p:cTn>
+                  </p:par>
                 </p:childTnLst>
               </p:cTn>
               <p:prevCondLst>
@@ -11690,6 +11848,36 @@
           </a:p>
         </p:txBody>
       </p:sp>
+      <p:pic>
+        <p:nvPicPr>
+          <p:cNvPr id="2" name="Picture 1">
+            <a:extLst>
+              <a:ext uri="{FF2B5EF4-FFF2-40B4-BE49-F238E27FC236}">
+                <a16:creationId xmlns:a16="http://schemas.microsoft.com/office/drawing/2014/main" id="{E13EC840-B07F-B7B5-1393-80017B559669}"/>
+              </a:ext>
+            </a:extLst>
+          </p:cNvPr>
+          <p:cNvPicPr>
+            <a:picLocks noChangeAspect="1"/>
+          </p:cNvPicPr>
+          <p:nvPr/>
+        </p:nvPicPr>
+        <p:blipFill>
+          <a:blip r:embed="rId3"/>
+          <a:stretch>
+            <a:fillRect/>
+          </a:stretch>
+        </p:blipFill>
+        <p:spPr>
+          <a:xfrm>
+            <a:off x="422496" y="1118112"/>
+            <a:ext cx="7449338" cy="5262990"/>
+          </a:xfrm>
+          <a:prstGeom prst="rect">
+            <a:avLst/>
+          </a:prstGeom>
+        </p:spPr>
+      </p:pic>
     </p:spTree>
     <p:extLst>
       <p:ext uri="{BB962C8B-B14F-4D97-AF65-F5344CB8AC3E}">
@@ -12802,6 +12990,36 @@
           </a:p>
         </p:txBody>
       </p:sp>
+      <p:pic>
+        <p:nvPicPr>
+          <p:cNvPr id="2" name="Picture 1">
+            <a:extLst>
+              <a:ext uri="{FF2B5EF4-FFF2-40B4-BE49-F238E27FC236}">
+                <a16:creationId xmlns:a16="http://schemas.microsoft.com/office/drawing/2014/main" id="{32B0744E-94FB-0D26-2E14-FF114C767863}"/>
+              </a:ext>
+            </a:extLst>
+          </p:cNvPr>
+          <p:cNvPicPr>
+            <a:picLocks noChangeAspect="1"/>
+          </p:cNvPicPr>
+          <p:nvPr/>
+        </p:nvPicPr>
+        <p:blipFill>
+          <a:blip r:embed="rId3"/>
+          <a:stretch>
+            <a:fillRect/>
+          </a:stretch>
+        </p:blipFill>
+        <p:spPr>
+          <a:xfrm>
+            <a:off x="675957" y="1104900"/>
+            <a:ext cx="7751575" cy="5504549"/>
+          </a:xfrm>
+          <a:prstGeom prst="rect">
+            <a:avLst/>
+          </a:prstGeom>
+        </p:spPr>
+      </p:pic>
     </p:spTree>
     <p:extLst>
       <p:ext uri="{BB962C8B-B14F-4D97-AF65-F5344CB8AC3E}">
@@ -18326,6 +18544,36 @@
           </a:p>
         </p:txBody>
       </p:sp>
+      <p:pic>
+        <p:nvPicPr>
+          <p:cNvPr id="6" name="Picture 5">
+            <a:extLst>
+              <a:ext uri="{FF2B5EF4-FFF2-40B4-BE49-F238E27FC236}">
+                <a16:creationId xmlns:a16="http://schemas.microsoft.com/office/drawing/2014/main" id="{591B0E15-DA6E-BC6B-3C8D-0725553E38BB}"/>
+              </a:ext>
+            </a:extLst>
+          </p:cNvPr>
+          <p:cNvPicPr>
+            <a:picLocks noChangeAspect="1"/>
+          </p:cNvPicPr>
+          <p:nvPr/>
+        </p:nvPicPr>
+        <p:blipFill>
+          <a:blip r:embed="rId3"/>
+          <a:stretch>
+            <a:fillRect/>
+          </a:stretch>
+        </p:blipFill>
+        <p:spPr>
+          <a:xfrm>
+            <a:off x="484413" y="1201586"/>
+            <a:ext cx="9846129" cy="5334530"/>
+          </a:xfrm>
+          <a:prstGeom prst="rect">
+            <a:avLst/>
+          </a:prstGeom>
+        </p:spPr>
+      </p:pic>
     </p:spTree>
     <p:extLst>
       <p:ext uri="{BB962C8B-B14F-4D97-AF65-F5344CB8AC3E}">
@@ -19319,6 +19567,36 @@
           </a:p>
         </p:txBody>
       </p:sp>
+      <p:pic>
+        <p:nvPicPr>
+          <p:cNvPr id="6" name="Picture 5">
+            <a:extLst>
+              <a:ext uri="{FF2B5EF4-FFF2-40B4-BE49-F238E27FC236}">
+                <a16:creationId xmlns:a16="http://schemas.microsoft.com/office/drawing/2014/main" id="{9BE5647E-69A2-5FE0-ACDF-EAB5540A50B6}"/>
+              </a:ext>
+            </a:extLst>
+          </p:cNvPr>
+          <p:cNvPicPr>
+            <a:picLocks noChangeAspect="1"/>
+          </p:cNvPicPr>
+          <p:nvPr/>
+        </p:nvPicPr>
+        <p:blipFill>
+          <a:blip r:embed="rId3"/>
+          <a:stretch>
+            <a:fillRect/>
+          </a:stretch>
+        </p:blipFill>
+        <p:spPr>
+          <a:xfrm>
+            <a:off x="675957" y="1201586"/>
+            <a:ext cx="11031122" cy="5147857"/>
+          </a:xfrm>
+          <a:prstGeom prst="rect">
+            <a:avLst/>
+          </a:prstGeom>
+        </p:spPr>
+      </p:pic>
     </p:spTree>
     <p:extLst>
       <p:ext uri="{BB962C8B-B14F-4D97-AF65-F5344CB8AC3E}">
@@ -20312,6 +20590,36 @@
           </a:p>
         </p:txBody>
       </p:sp>
+      <p:pic>
+        <p:nvPicPr>
+          <p:cNvPr id="10" name="Picture 9">
+            <a:extLst>
+              <a:ext uri="{FF2B5EF4-FFF2-40B4-BE49-F238E27FC236}">
+                <a16:creationId xmlns:a16="http://schemas.microsoft.com/office/drawing/2014/main" id="{466C0841-C3A5-7FAF-24BC-ECA67994FA90}"/>
+              </a:ext>
+            </a:extLst>
+          </p:cNvPr>
+          <p:cNvPicPr>
+            <a:picLocks noChangeAspect="1"/>
+          </p:cNvPicPr>
+          <p:nvPr/>
+        </p:nvPicPr>
+        <p:blipFill>
+          <a:blip r:embed="rId3"/>
+          <a:stretch>
+            <a:fillRect/>
+          </a:stretch>
+        </p:blipFill>
+        <p:spPr>
+          <a:xfrm>
+            <a:off x="1426029" y="1119943"/>
+            <a:ext cx="9029852" cy="5606422"/>
+          </a:xfrm>
+          <a:prstGeom prst="rect">
+            <a:avLst/>
+          </a:prstGeom>
+        </p:spPr>
+      </p:pic>
     </p:spTree>
     <p:extLst>
       <p:ext uri="{BB962C8B-B14F-4D97-AF65-F5344CB8AC3E}">
@@ -21029,7 +21337,7 @@
         <p:spPr>
           <a:xfrm>
             <a:off x="807164" y="1406106"/>
-            <a:ext cx="5984161" cy="2579557"/>
+            <a:ext cx="9806407" cy="2579557"/>
           </a:xfrm>
         </p:spPr>
         <p:txBody>
@@ -21041,31 +21349,6 @@
             <a:pPr marL="0" indent="0">
               <a:buNone/>
             </a:pPr>
-            <a:r>
-              <a:rPr lang="en-US" dirty="0"/>
-              <a:t>[Add the working </a:t>
-            </a:r>
-            <a:r>
-              <a:rPr lang="en-US" dirty="0" err="1"/>
-              <a:t>url</a:t>
-            </a:r>
-            <a:r>
-              <a:rPr lang="en-US" dirty="0"/>
-              <a:t> of your </a:t>
-            </a:r>
-            <a:r>
-              <a:rPr lang="en-US" dirty="0" err="1"/>
-              <a:t>github</a:t>
-            </a:r>
-            <a:r>
-              <a:rPr lang="en-US" dirty="0"/>
-              <a:t> repository ]  </a:t>
-            </a:r>
-          </a:p>
-          <a:p>
-            <a:pPr marL="0" indent="0">
-              <a:buNone/>
-            </a:pPr>
             <a:endParaRPr lang="en-US" dirty="0"/>
           </a:p>
           <a:p>
@@ -21073,17 +21356,12 @@
               <a:buNone/>
             </a:pPr>
             <a:r>
-              <a:rPr lang="en-US" dirty="0"/>
-              <a:t>Create </a:t>
+              <a:rPr lang="en-US" dirty="0">
+                <a:hlinkClick r:id="rId3"/>
+              </a:rPr>
+              <a:t>https://github.com/sabhansali/VOIS_AICTE_Oct2025_MajorProject_SakshiBhansali</a:t>
             </a:r>
-            <a:r>
-              <a:rPr lang="en-US" dirty="0" err="1"/>
-              <a:t>github</a:t>
-            </a:r>
-            <a:r>
-              <a:rPr lang="en-US" dirty="0"/>
-              <a:t> repository with format VOIS_AICTE_Oct2025_MajorProject_YourName  </a:t>
-            </a:r>
+            <a:endParaRPr lang="en-US" dirty="0"/>
           </a:p>
         </p:txBody>
       </p:sp>
@@ -21336,7 +21614,7 @@
                                         <p:tgtEl>
                                           <p:spTgt spid="10">
                                             <p:txEl>
-                                              <p:pRg st="0" end="0"/>
+                                              <p:pRg st="1" end="1"/>
                                             </p:txEl>
                                           </p:spTgt>
                                         </p:tgtEl>
@@ -21354,7 +21632,7 @@
                                         <p:tgtEl>
                                           <p:spTgt spid="10">
                                             <p:txEl>
-                                              <p:pRg st="0" end="0"/>
+                                              <p:pRg st="1" end="1"/>
                                             </p:txEl>
                                           </p:spTgt>
                                         </p:tgtEl>
@@ -21366,7 +21644,7 @@
                                         <p:tgtEl>
                                           <p:spTgt spid="10">
                                             <p:txEl>
-                                              <p:pRg st="0" end="0"/>
+                                              <p:pRg st="1" end="1"/>
                                             </p:txEl>
                                           </p:spTgt>
                                         </p:tgtEl>
@@ -21393,122 +21671,7 @@
                                         <p:tgtEl>
                                           <p:spTgt spid="10">
                                             <p:txEl>
-                                              <p:pRg st="0" end="0"/>
-                                            </p:txEl>
-                                          </p:spTgt>
-                                        </p:tgtEl>
-                                        <p:attrNameLst>
-                                          <p:attrName>ppt_y</p:attrName>
-                                        </p:attrNameLst>
-                                      </p:cBhvr>
-                                      <p:tavLst>
-                                        <p:tav tm="0">
-                                          <p:val>
-                                            <p:strVal val="#ppt_y+.1"/>
-                                          </p:val>
-                                        </p:tav>
-                                        <p:tav tm="100000">
-                                          <p:val>
-                                            <p:strVal val="#ppt_y"/>
-                                          </p:val>
-                                        </p:tav>
-                                      </p:tavLst>
-                                    </p:anim>
-                                  </p:childTnLst>
-                                </p:cTn>
-                              </p:par>
-                            </p:childTnLst>
-                          </p:cTn>
-                        </p:par>
-                      </p:childTnLst>
-                    </p:cTn>
-                  </p:par>
-                  <p:par>
-                    <p:cTn id="24" fill="hold">
-                      <p:stCondLst>
-                        <p:cond delay="indefinite"/>
-                      </p:stCondLst>
-                      <p:childTnLst>
-                        <p:par>
-                          <p:cTn id="25" fill="hold">
-                            <p:stCondLst>
-                              <p:cond delay="0"/>
-                            </p:stCondLst>
-                            <p:childTnLst>
-                              <p:par>
-                                <p:cTn id="26" presetID="42" presetClass="entr" presetSubtype="0" fill="hold" grpId="0" nodeType="clickEffect">
-                                  <p:stCondLst>
-                                    <p:cond delay="0"/>
-                                  </p:stCondLst>
-                                  <p:childTnLst>
-                                    <p:set>
-                                      <p:cBhvr>
-                                        <p:cTn id="27" dur="1" fill="hold">
-                                          <p:stCondLst>
-                                            <p:cond delay="0"/>
-                                          </p:stCondLst>
-                                        </p:cTn>
-                                        <p:tgtEl>
-                                          <p:spTgt spid="10">
-                                            <p:txEl>
-                                              <p:pRg st="2" end="2"/>
-                                            </p:txEl>
-                                          </p:spTgt>
-                                        </p:tgtEl>
-                                        <p:attrNameLst>
-                                          <p:attrName>style.visibility</p:attrName>
-                                        </p:attrNameLst>
-                                      </p:cBhvr>
-                                      <p:to>
-                                        <p:strVal val="visible"/>
-                                      </p:to>
-                                    </p:set>
-                                    <p:animEffect transition="in" filter="fade">
-                                      <p:cBhvr>
-                                        <p:cTn id="28" dur="1000"/>
-                                        <p:tgtEl>
-                                          <p:spTgt spid="10">
-                                            <p:txEl>
-                                              <p:pRg st="2" end="2"/>
-                                            </p:txEl>
-                                          </p:spTgt>
-                                        </p:tgtEl>
-                                      </p:cBhvr>
-                                    </p:animEffect>
-                                    <p:anim calcmode="lin" valueType="num">
-                                      <p:cBhvr>
-                                        <p:cTn id="29" dur="1000" fill="hold"/>
-                                        <p:tgtEl>
-                                          <p:spTgt spid="10">
-                                            <p:txEl>
-                                              <p:pRg st="2" end="2"/>
-                                            </p:txEl>
-                                          </p:spTgt>
-                                        </p:tgtEl>
-                                        <p:attrNameLst>
-                                          <p:attrName>ppt_x</p:attrName>
-                                        </p:attrNameLst>
-                                      </p:cBhvr>
-                                      <p:tavLst>
-                                        <p:tav tm="0">
-                                          <p:val>
-                                            <p:strVal val="#ppt_x"/>
-                                          </p:val>
-                                        </p:tav>
-                                        <p:tav tm="100000">
-                                          <p:val>
-                                            <p:strVal val="#ppt_x"/>
-                                          </p:val>
-                                        </p:tav>
-                                      </p:tavLst>
-                                    </p:anim>
-                                    <p:anim calcmode="lin" valueType="num">
-                                      <p:cBhvr>
-                                        <p:cTn id="30" dur="1000" fill="hold"/>
-                                        <p:tgtEl>
-                                          <p:spTgt spid="10">
-                                            <p:txEl>
-                                              <p:pRg st="2" end="2"/>
+                                              <p:pRg st="1" end="1"/>
                                             </p:txEl>
                                           </p:spTgt>
                                         </p:tgtEl>
@@ -22416,24 +22579,6 @@
 </file>
 
 <file path=customXml/item1.xml><?xml version="1.0" encoding="utf-8"?>
-<p:properties xmlns:p="http://schemas.microsoft.com/office/2006/metadata/properties" xmlns:xsi="http://www.w3.org/2001/XMLSchema-instance" xmlns:pc="http://schemas.microsoft.com/office/infopath/2007/PartnerControls">
-  <documentManagement>
-    <Status xmlns="71af3243-3dd4-4a8d-8c0d-dd76da1f02a5">Not started</Status>
-    <MediaServiceKeyPoints xmlns="71af3243-3dd4-4a8d-8c0d-dd76da1f02a5" xsi:nil="true"/>
-  </documentManagement>
-</p:properties>
-</file>
-
-<file path=customXml/item2.xml><?xml version="1.0" encoding="utf-8"?>
-<?mso-contentType ?>
-<FormTemplates xmlns="http://schemas.microsoft.com/sharepoint/v3/contenttype/forms">
-  <Display>DocumentLibraryForm</Display>
-  <Edit>DocumentLibraryForm</Edit>
-  <New>DocumentLibraryForm</New>
-</FormTemplates>
-</file>
-
-<file path=customXml/item3.xml><?xml version="1.0" encoding="utf-8"?>
 <ct:contentTypeSchema xmlns:ct="http://schemas.microsoft.com/office/2006/metadata/contentType" xmlns:ma="http://schemas.microsoft.com/office/2006/metadata/properties/metaAttributes" ct:_="" ma:_="" ma:contentTypeName="Document" ma:contentTypeID="0x01010079F111ED35F8CC479449609E8A0923A6" ma:contentTypeVersion="12" ma:contentTypeDescription="Create a new document." ma:contentTypeScope="" ma:versionID="426e97fa315356fffbdcd9876fe988c2">
   <xsd:schema xmlns:xsd="http://www.w3.org/2001/XMLSchema" xmlns:xs="http://www.w3.org/2001/XMLSchema" xmlns:p="http://schemas.microsoft.com/office/2006/metadata/properties" xmlns:ns2="71af3243-3dd4-4a8d-8c0d-dd76da1f02a5" xmlns:ns3="16c05727-aa75-4e4a-9b5f-8a80a1165891" targetNamespace="http://schemas.microsoft.com/office/2006/metadata/properties" ma:root="true" ma:fieldsID="14b8f0def80e6d70ce3def20c90759ae" ns2:_="" ns3:_="">
     <xsd:import namespace="71af3243-3dd4-4a8d-8c0d-dd76da1f02a5"/>
@@ -22654,25 +22799,25 @@
 </ct:contentTypeSchema>
 </file>
 
-<file path=customXml/itemProps1.xml><?xml version="1.0" encoding="utf-8"?>
-<ds:datastoreItem xmlns:ds="http://schemas.openxmlformats.org/officeDocument/2006/customXml" ds:itemID="{4DEA9014-ED64-4558-B1E1-D03F0EE32BEB}">
-  <ds:schemaRefs>
-    <ds:schemaRef ds:uri="http://schemas.microsoft.com/office/2006/metadata/properties"/>
-    <ds:schemaRef ds:uri="http://schemas.microsoft.com/office/infopath/2007/PartnerControls"/>
-    <ds:schemaRef ds:uri="71af3243-3dd4-4a8d-8c0d-dd76da1f02a5"/>
-  </ds:schemaRefs>
-</ds:datastoreItem>
+<file path=customXml/item2.xml><?xml version="1.0" encoding="utf-8"?>
+<?mso-contentType ?>
+<FormTemplates xmlns="http://schemas.microsoft.com/sharepoint/v3/contenttype/forms">
+  <Display>DocumentLibraryForm</Display>
+  <Edit>DocumentLibraryForm</Edit>
+  <New>DocumentLibraryForm</New>
+</FormTemplates>
 </file>
 
-<file path=customXml/itemProps2.xml><?xml version="1.0" encoding="utf-8"?>
-<ds:datastoreItem xmlns:ds="http://schemas.openxmlformats.org/officeDocument/2006/customXml" ds:itemID="{05D99ABA-76CE-4A8E-B5F0-C051B96628DE}">
-  <ds:schemaRefs>
-    <ds:schemaRef ds:uri="http://schemas.microsoft.com/sharepoint/v3/contenttype/forms"/>
-  </ds:schemaRefs>
-</ds:datastoreItem>
+<file path=customXml/item3.xml><?xml version="1.0" encoding="utf-8"?>
+<p:properties xmlns:p="http://schemas.microsoft.com/office/2006/metadata/properties" xmlns:xsi="http://www.w3.org/2001/XMLSchema-instance" xmlns:pc="http://schemas.microsoft.com/office/infopath/2007/PartnerControls">
+  <documentManagement>
+    <Status xmlns="71af3243-3dd4-4a8d-8c0d-dd76da1f02a5">Not started</Status>
+    <MediaServiceKeyPoints xmlns="71af3243-3dd4-4a8d-8c0d-dd76da1f02a5" xsi:nil="true"/>
+  </documentManagement>
+</p:properties>
 </file>
 
-<file path=customXml/itemProps3.xml><?xml version="1.0" encoding="utf-8"?>
+<file path=customXml/itemProps1.xml><?xml version="1.0" encoding="utf-8"?>
 <ds:datastoreItem xmlns:ds="http://schemas.openxmlformats.org/officeDocument/2006/customXml" ds:itemID="{B19EB750-A6DA-4BE8-B87B-FC499FE73360}">
   <ds:schemaRefs>
     <ds:schemaRef ds:uri="http://schemas.microsoft.com/office/2006/metadata/contentType"/>
@@ -22689,4 +22834,22 @@
     <ds:schemaRef ds:uri="http://schemas.microsoft.com/internal/obd"/>
   </ds:schemaRefs>
 </ds:datastoreItem>
+</file>
+
+<file path=customXml/itemProps2.xml><?xml version="1.0" encoding="utf-8"?>
+<ds:datastoreItem xmlns:ds="http://schemas.openxmlformats.org/officeDocument/2006/customXml" ds:itemID="{05D99ABA-76CE-4A8E-B5F0-C051B96628DE}">
+  <ds:schemaRefs>
+    <ds:schemaRef ds:uri="http://schemas.microsoft.com/sharepoint/v3/contenttype/forms"/>
+  </ds:schemaRefs>
+</ds:datastoreItem>
+</file>
+
+<file path=customXml/itemProps3.xml><?xml version="1.0" encoding="utf-8"?>
+<ds:datastoreItem xmlns:ds="http://schemas.openxmlformats.org/officeDocument/2006/customXml" ds:itemID="{4DEA9014-ED64-4558-B1E1-D03F0EE32BEB}">
+  <ds:schemaRefs>
+    <ds:schemaRef ds:uri="http://schemas.microsoft.com/office/2006/metadata/properties"/>
+    <ds:schemaRef ds:uri="http://schemas.microsoft.com/office/infopath/2007/PartnerControls"/>
+    <ds:schemaRef ds:uri="71af3243-3dd4-4a8d-8c0d-dd76da1f02a5"/>
+  </ds:schemaRefs>
+</ds:datastoreItem>
 </file>